--- a/FGCS-2019/figures/prov-essentials.pptx
+++ b/FGCS-2019/figures/prov-essentials.pptx
@@ -105,6 +105,22 @@
       </a:defRPr>
     </a:lvl9pPr>
   </p:defaultTextStyle>
+  <p:extLst>
+    <p:ext uri="{EFAFB233-063F-42B5-8137-9DF3F51BA10A}">
+      <p15:sldGuideLst xmlns:p15="http://schemas.microsoft.com/office/powerpoint/2012/main">
+        <p15:guide id="1" orient="horz" pos="2160" userDrawn="1">
+          <p15:clr>
+            <a:srgbClr val="A4A3A4"/>
+          </p15:clr>
+        </p15:guide>
+        <p15:guide id="2" pos="3840" userDrawn="1">
+          <p15:clr>
+            <a:srgbClr val="A4A3A4"/>
+          </p15:clr>
+        </p15:guide>
+      </p15:sldGuideLst>
+    </p:ext>
+  </p:extLst>
 </p:presentation>
 </file>
 
@@ -257,7 +273,7 @@
           <a:p>
             <a:fld id="{F82E5816-85CE-6345-BBBA-45B787E2DA72}" type="datetimeFigureOut">
               <a:rPr lang="en-US" smtClean="0"/>
-              <a:t>2/13/20</a:t>
+              <a:t>2/14/20</a:t>
             </a:fld>
             <a:endParaRPr lang="en-US"/>
           </a:p>
@@ -457,7 +473,7 @@
           <a:p>
             <a:fld id="{F82E5816-85CE-6345-BBBA-45B787E2DA72}" type="datetimeFigureOut">
               <a:rPr lang="en-US" smtClean="0"/>
-              <a:t>2/13/20</a:t>
+              <a:t>2/14/20</a:t>
             </a:fld>
             <a:endParaRPr lang="en-US"/>
           </a:p>
@@ -667,7 +683,7 @@
           <a:p>
             <a:fld id="{F82E5816-85CE-6345-BBBA-45B787E2DA72}" type="datetimeFigureOut">
               <a:rPr lang="en-US" smtClean="0"/>
-              <a:t>2/13/20</a:t>
+              <a:t>2/14/20</a:t>
             </a:fld>
             <a:endParaRPr lang="en-US"/>
           </a:p>
@@ -867,7 +883,7 @@
           <a:p>
             <a:fld id="{F82E5816-85CE-6345-BBBA-45B787E2DA72}" type="datetimeFigureOut">
               <a:rPr lang="en-US" smtClean="0"/>
-              <a:t>2/13/20</a:t>
+              <a:t>2/14/20</a:t>
             </a:fld>
             <a:endParaRPr lang="en-US"/>
           </a:p>
@@ -1143,7 +1159,7 @@
           <a:p>
             <a:fld id="{F82E5816-85CE-6345-BBBA-45B787E2DA72}" type="datetimeFigureOut">
               <a:rPr lang="en-US" smtClean="0"/>
-              <a:t>2/13/20</a:t>
+              <a:t>2/14/20</a:t>
             </a:fld>
             <a:endParaRPr lang="en-US"/>
           </a:p>
@@ -1411,7 +1427,7 @@
           <a:p>
             <a:fld id="{F82E5816-85CE-6345-BBBA-45B787E2DA72}" type="datetimeFigureOut">
               <a:rPr lang="en-US" smtClean="0"/>
-              <a:t>2/13/20</a:t>
+              <a:t>2/14/20</a:t>
             </a:fld>
             <a:endParaRPr lang="en-US"/>
           </a:p>
@@ -1826,7 +1842,7 @@
           <a:p>
             <a:fld id="{F82E5816-85CE-6345-BBBA-45B787E2DA72}" type="datetimeFigureOut">
               <a:rPr lang="en-US" smtClean="0"/>
-              <a:t>2/13/20</a:t>
+              <a:t>2/14/20</a:t>
             </a:fld>
             <a:endParaRPr lang="en-US"/>
           </a:p>
@@ -1968,7 +1984,7 @@
           <a:p>
             <a:fld id="{F82E5816-85CE-6345-BBBA-45B787E2DA72}" type="datetimeFigureOut">
               <a:rPr lang="en-US" smtClean="0"/>
-              <a:t>2/13/20</a:t>
+              <a:t>2/14/20</a:t>
             </a:fld>
             <a:endParaRPr lang="en-US"/>
           </a:p>
@@ -2081,7 +2097,7 @@
           <a:p>
             <a:fld id="{F82E5816-85CE-6345-BBBA-45B787E2DA72}" type="datetimeFigureOut">
               <a:rPr lang="en-US" smtClean="0"/>
-              <a:t>2/13/20</a:t>
+              <a:t>2/14/20</a:t>
             </a:fld>
             <a:endParaRPr lang="en-US"/>
           </a:p>
@@ -2394,7 +2410,7 @@
           <a:p>
             <a:fld id="{F82E5816-85CE-6345-BBBA-45B787E2DA72}" type="datetimeFigureOut">
               <a:rPr lang="en-US" smtClean="0"/>
-              <a:t>2/13/20</a:t>
+              <a:t>2/14/20</a:t>
             </a:fld>
             <a:endParaRPr lang="en-US"/>
           </a:p>
@@ -2683,7 +2699,7 @@
           <a:p>
             <a:fld id="{F82E5816-85CE-6345-BBBA-45B787E2DA72}" type="datetimeFigureOut">
               <a:rPr lang="en-US" smtClean="0"/>
-              <a:t>2/13/20</a:t>
+              <a:t>2/14/20</a:t>
             </a:fld>
             <a:endParaRPr lang="en-US"/>
           </a:p>
@@ -2926,7 +2942,7 @@
           <a:p>
             <a:fld id="{F82E5816-85CE-6345-BBBA-45B787E2DA72}" type="datetimeFigureOut">
               <a:rPr lang="en-US" smtClean="0"/>
-              <a:t>2/13/20</a:t>
+              <a:t>2/14/20</a:t>
             </a:fld>
             <a:endParaRPr lang="en-US"/>
           </a:p>
@@ -3566,7 +3582,7 @@
         </p:nvSpPr>
         <p:spPr>
           <a:xfrm>
-            <a:off x="7282248" y="1124465"/>
+            <a:off x="6115605" y="1124465"/>
             <a:ext cx="2125362" cy="1383957"/>
           </a:xfrm>
           <a:prstGeom prst="rect">
@@ -3618,7 +3634,7 @@
         </p:nvSpPr>
         <p:spPr>
           <a:xfrm>
-            <a:off x="7418173" y="1223319"/>
+            <a:off x="6251530" y="1223319"/>
             <a:ext cx="1828800" cy="369332"/>
           </a:xfrm>
           <a:prstGeom prst="rect">
@@ -3654,7 +3670,7 @@
         </p:nvCxnSpPr>
         <p:spPr>
           <a:xfrm>
-            <a:off x="7282248" y="1592651"/>
+            <a:off x="6115605" y="1592651"/>
             <a:ext cx="2125362" cy="0"/>
           </a:xfrm>
           <a:prstGeom prst="line">
@@ -3690,13 +3706,15 @@
               </a:ext>
             </a:extLst>
           </p:cNvPr>
-          <p:cNvCxnSpPr/>
+          <p:cNvCxnSpPr>
+            <a:cxnSpLocks/>
+          </p:cNvCxnSpPr>
           <p:nvPr/>
         </p:nvCxnSpPr>
         <p:spPr>
-          <a:xfrm flipH="1">
-            <a:off x="4090086" y="1396314"/>
-            <a:ext cx="3192162" cy="0"/>
+          <a:xfrm flipH="1" flipV="1">
+            <a:off x="4090086" y="1396315"/>
+            <a:ext cx="2025517" cy="14761"/>
           </a:xfrm>
           <a:prstGeom prst="straightConnector1">
             <a:avLst/>
@@ -3732,13 +3750,15 @@
               </a:ext>
             </a:extLst>
           </p:cNvPr>
-          <p:cNvCxnSpPr/>
+          <p:cNvCxnSpPr>
+            <a:cxnSpLocks/>
+          </p:cNvCxnSpPr>
           <p:nvPr/>
         </p:nvCxnSpPr>
         <p:spPr>
           <a:xfrm flipH="1">
-            <a:off x="4090086" y="1944131"/>
-            <a:ext cx="3192162" cy="0"/>
+            <a:off x="4090088" y="1944131"/>
+            <a:ext cx="2025517" cy="0"/>
           </a:xfrm>
           <a:prstGeom prst="straightConnector1">
             <a:avLst/>
@@ -3780,8 +3800,8 @@
         </p:nvSpPr>
         <p:spPr>
           <a:xfrm>
-            <a:off x="5263979" y="1038653"/>
-            <a:ext cx="1087395" cy="369332"/>
+            <a:off x="4761470" y="1045819"/>
+            <a:ext cx="679128" cy="369332"/>
           </a:xfrm>
           <a:prstGeom prst="rect">
             <a:avLst/>
@@ -3815,7 +3835,7 @@
         </p:nvSpPr>
         <p:spPr>
           <a:xfrm>
-            <a:off x="4757350" y="1580980"/>
+            <a:off x="4238367" y="1574799"/>
             <a:ext cx="1857633" cy="369332"/>
           </a:xfrm>
           <a:prstGeom prst="rect">
@@ -3853,7 +3873,7 @@
         </p:nvCxnSpPr>
         <p:spPr>
           <a:xfrm flipV="1">
-            <a:off x="8987481" y="617838"/>
+            <a:off x="7820838" y="617838"/>
             <a:ext cx="0" cy="494270"/>
           </a:xfrm>
           <a:prstGeom prst="line">
@@ -3896,7 +3916,7 @@
         </p:nvCxnSpPr>
         <p:spPr>
           <a:xfrm>
-            <a:off x="8987481" y="617838"/>
+            <a:off x="7820838" y="617838"/>
             <a:ext cx="832022" cy="0"/>
           </a:xfrm>
           <a:prstGeom prst="line">
@@ -3937,7 +3957,7 @@
         </p:nvCxnSpPr>
         <p:spPr>
           <a:xfrm>
-            <a:off x="9819503" y="617838"/>
+            <a:off x="8652860" y="617838"/>
             <a:ext cx="0" cy="605481"/>
           </a:xfrm>
           <a:prstGeom prst="line">
@@ -3978,7 +3998,7 @@
         </p:nvCxnSpPr>
         <p:spPr>
           <a:xfrm flipH="1">
-            <a:off x="9403492" y="1223319"/>
+            <a:off x="8236849" y="1223319"/>
             <a:ext cx="416011" cy="0"/>
           </a:xfrm>
           <a:prstGeom prst="straightConnector1">
@@ -4020,7 +4040,7 @@
         </p:nvSpPr>
         <p:spPr>
           <a:xfrm>
-            <a:off x="8777415" y="199079"/>
+            <a:off x="7308032" y="277528"/>
             <a:ext cx="1857633" cy="369332"/>
           </a:xfrm>
           <a:prstGeom prst="rect">
@@ -4029,7 +4049,7 @@
           <a:noFill/>
         </p:spPr>
         <p:txBody>
-          <a:bodyPr wrap="square" rtlCol="0">
+          <a:bodyPr vert="horz" wrap="square" rtlCol="0">
             <a:spAutoFit/>
           </a:bodyPr>
           <a:lstStyle/>
@@ -4057,9 +4077,9 @@
           <p:nvPr/>
         </p:nvCxnSpPr>
         <p:spPr>
-          <a:xfrm flipV="1">
-            <a:off x="1453978" y="518984"/>
-            <a:ext cx="0" cy="691978"/>
+          <a:xfrm flipH="1" flipV="1">
+            <a:off x="1443681" y="617838"/>
+            <a:ext cx="10297" cy="593124"/>
           </a:xfrm>
           <a:prstGeom prst="line">
             <a:avLst/>
@@ -4101,7 +4121,7 @@
         </p:nvCxnSpPr>
         <p:spPr>
           <a:xfrm>
-            <a:off x="1443681" y="506627"/>
+            <a:off x="1443681" y="617074"/>
             <a:ext cx="832022" cy="0"/>
           </a:xfrm>
           <a:prstGeom prst="line">
@@ -4137,13 +4157,15 @@
               </a:ext>
             </a:extLst>
           </p:cNvPr>
-          <p:cNvCxnSpPr/>
+          <p:cNvCxnSpPr>
+            <a:cxnSpLocks/>
+          </p:cNvCxnSpPr>
           <p:nvPr/>
         </p:nvCxnSpPr>
         <p:spPr>
           <a:xfrm>
-            <a:off x="2275703" y="518984"/>
-            <a:ext cx="0" cy="605481"/>
+            <a:off x="2275703" y="617838"/>
+            <a:ext cx="0" cy="506627"/>
           </a:xfrm>
           <a:prstGeom prst="line">
             <a:avLst/>
@@ -4228,7 +4250,7 @@
         </p:nvSpPr>
         <p:spPr>
           <a:xfrm>
-            <a:off x="941172" y="81690"/>
+            <a:off x="1035907" y="283472"/>
             <a:ext cx="1857633" cy="369332"/>
           </a:xfrm>
           <a:prstGeom prst="rect">
@@ -4237,7 +4259,7 @@
           <a:noFill/>
         </p:spPr>
         <p:txBody>
-          <a:bodyPr wrap="square" rtlCol="0">
+          <a:bodyPr vert="horz" wrap="square" rtlCol="0">
             <a:spAutoFit/>
           </a:bodyPr>
           <a:lstStyle/>

--- a/FGCS-2019/figures/prov-essentials.pptx
+++ b/FGCS-2019/figures/prov-essentials.pptx
@@ -4207,8 +4207,8 @@
         </p:nvCxnSpPr>
         <p:spPr>
           <a:xfrm flipH="1">
-            <a:off x="1443681" y="1210962"/>
-            <a:ext cx="521044" cy="12357"/>
+            <a:off x="1451920" y="1210962"/>
+            <a:ext cx="512805" cy="0"/>
           </a:xfrm>
           <a:prstGeom prst="straightConnector1">
             <a:avLst/>
